--- a/branches/rankin-sandbox/doc/tutorials/PlusTutorialBuildingfCalPrintedPhantom.pptx
+++ b/branches/rankin-sandbox/doc/tutorials/PlusTutorialBuildingfCalPrintedPhantom.pptx
@@ -115,6 +115,36 @@
       </a:defRPr>
     </a:lvl9pPr>
   </p:defaultTextStyle>
+  <p:extLst>
+    <p:ext uri="{EFAFB233-063F-42B5-8137-9DF3F51BA10A}">
+      <p15:sldGuideLst xmlns:p15="http://schemas.microsoft.com/office/powerpoint/2012/main">
+        <p15:guide id="1" orient="horz" pos="2160">
+          <p15:clr>
+            <a:srgbClr val="A4A3A4"/>
+          </p15:clr>
+        </p15:guide>
+        <p15:guide id="2" pos="2880">
+          <p15:clr>
+            <a:srgbClr val="A4A3A4"/>
+          </p15:clr>
+        </p15:guide>
+      </p15:sldGuideLst>
+    </p:ext>
+    <p:ext uri="{2D200454-40CA-4A62-9FC3-DE9A4176ACB9}">
+      <p15:notesGuideLst xmlns:p15="http://schemas.microsoft.com/office/powerpoint/2012/main">
+        <p15:guide id="1" orient="horz" pos="2880">
+          <p15:clr>
+            <a:srgbClr val="A4A3A4"/>
+          </p15:clr>
+        </p15:guide>
+        <p15:guide id="2" pos="2160">
+          <p15:clr>
+            <a:srgbClr val="A4A3A4"/>
+          </p15:clr>
+        </p15:guide>
+      </p15:notesGuideLst>
+    </p:ext>
+  </p:extLst>
 </p:presentation>
 </file>
 
@@ -201,7 +231,7 @@
             <a:fld id="{08AE2C8F-80C9-49EC-8D3E-1E16295FA588}" type="datetimeFigureOut">
               <a:rPr lang="en-US" smtClean="0"/>
               <a:pPr/>
-              <a:t>1/16/2014</a:t>
+              <a:t>2015-04-12</a:t>
             </a:fld>
             <a:endParaRPr lang="en-US"/>
           </a:p>
@@ -4291,11 +4321,7 @@
           <a:p>
             <a:r>
               <a:rPr lang="en-CA" dirty="0" smtClean="0"/>
-              <a:t>You can have a look at the </a:t>
-            </a:r>
-            <a:r>
-              <a:rPr lang="en-CA" dirty="0" smtClean="0"/>
-              <a:t>model file in </a:t>
+              <a:t>You can have a look at the model file in </a:t>
             </a:r>
             <a:r>
               <a:rPr lang="en-CA" dirty="0" smtClean="0">
@@ -5840,13 +5866,13 @@
         </p:nvSpPr>
         <p:spPr>
           <a:xfrm>
-            <a:off x="533400" y="990601"/>
-            <a:ext cx="8153400" cy="2438400"/>
+            <a:off x="533400" y="990600"/>
+            <a:ext cx="8153400" cy="4495799"/>
           </a:xfrm>
         </p:spPr>
         <p:txBody>
           <a:bodyPr>
-            <a:normAutofit fontScale="92500" lnSpcReduction="10000"/>
+            <a:normAutofit/>
           </a:bodyPr>
           <a:lstStyle/>
           <a:p>
@@ -5858,8 +5884,21 @@
           <a:p>
             <a:r>
               <a:rPr lang="en-US" dirty="0" smtClean="0"/>
-              <a:t>You can stretch the fiducial lines by using a rubber band as it is shown in the picture below</a:t>
-            </a:r>
+              <a:t>You can stretch the fiducial lines by using a rubber band as it is shown in the picture </a:t>
+            </a:r>
+            <a:r>
+              <a:rPr lang="en-US" dirty="0" smtClean="0"/>
+              <a:t>below</a:t>
+            </a:r>
+          </a:p>
+          <a:p>
+            <a:endParaRPr lang="en-US" dirty="0"/>
+          </a:p>
+          <a:p>
+            <a:endParaRPr lang="en-US" dirty="0" smtClean="0"/>
+          </a:p>
+          <a:p>
+            <a:endParaRPr lang="en-US" dirty="0" smtClean="0"/>
           </a:p>
           <a:p>
             <a:r>
@@ -5910,131 +5949,144 @@
           </a:p>
         </p:txBody>
       </p:sp>
-      <p:pic>
-        <p:nvPicPr>
-          <p:cNvPr id="4098" name="Picture 2" descr="H:\DCIM\100OLYMP\PA250552.JPG"/>
-          <p:cNvPicPr>
-            <a:picLocks noChangeAspect="1" noChangeArrowheads="1"/>
-          </p:cNvPicPr>
+      <p:grpSp>
+        <p:nvGrpSpPr>
+          <p:cNvPr id="4" name="Group 3"/>
+          <p:cNvGrpSpPr/>
           <p:nvPr/>
-        </p:nvPicPr>
-        <p:blipFill>
-          <a:blip r:embed="rId2" cstate="print"/>
-          <a:srcRect l="6438" t="28465" r="3436" b="18599"/>
-          <a:stretch>
-            <a:fillRect/>
-          </a:stretch>
-        </p:blipFill>
-        <p:spPr bwMode="auto">
+        </p:nvGrpSpPr>
+        <p:grpSpPr>
           <a:xfrm>
-            <a:off x="1371600" y="3429000"/>
-            <a:ext cx="6400800" cy="2819400"/>
+            <a:off x="1524000" y="3455822"/>
+            <a:ext cx="6400800" cy="1066800"/>
+            <a:chOff x="1371600" y="5181600"/>
+            <a:chExt cx="6400800" cy="1066800"/>
           </a:xfrm>
-          <a:prstGeom prst="rect">
-            <a:avLst/>
-          </a:prstGeom>
-          <a:noFill/>
-        </p:spPr>
-      </p:pic>
-      <p:cxnSp>
-        <p:nvCxnSpPr>
-          <p:cNvPr id="26" name="Straight Arrow Connector 25"/>
-          <p:cNvCxnSpPr/>
-          <p:nvPr/>
-        </p:nvCxnSpPr>
-        <p:spPr>
-          <a:xfrm flipH="1" flipV="1">
-            <a:off x="3886200" y="5410200"/>
-            <a:ext cx="1447800" cy="228600"/>
-          </a:xfrm>
-          <a:prstGeom prst="straightConnector1">
-            <a:avLst/>
-          </a:prstGeom>
-          <a:ln w="38100">
-            <a:solidFill>
-              <a:srgbClr val="FF0000"/>
-            </a:solidFill>
-            <a:tailEnd type="arrow"/>
-          </a:ln>
-        </p:spPr>
-        <p:style>
-          <a:lnRef idx="1">
-            <a:schemeClr val="accent1"/>
-          </a:lnRef>
-          <a:fillRef idx="0">
-            <a:schemeClr val="accent1"/>
-          </a:fillRef>
-          <a:effectRef idx="0">
-            <a:schemeClr val="accent1"/>
-          </a:effectRef>
-          <a:fontRef idx="minor">
-            <a:schemeClr val="tx1"/>
-          </a:fontRef>
-        </p:style>
-      </p:cxnSp>
-      <p:sp>
-        <p:nvSpPr>
-          <p:cNvPr id="27" name="Content Placeholder 2"/>
-          <p:cNvSpPr txBox="1">
-            <a:spLocks/>
-          </p:cNvSpPr>
-          <p:nvPr/>
-        </p:nvSpPr>
-        <p:spPr>
-          <a:xfrm>
-            <a:off x="3581400" y="5082540"/>
-            <a:ext cx="1074420" cy="480060"/>
-          </a:xfrm>
-          <a:prstGeom prst="rect">
-            <a:avLst/>
-          </a:prstGeom>
-        </p:spPr>
-        <p:txBody>
-          <a:bodyPr vert="horz" lIns="91440" tIns="45720" rIns="91440" bIns="45720" rtlCol="0">
-            <a:normAutofit/>
-          </a:bodyPr>
-          <a:lstStyle/>
-          <a:p>
-            <a:pPr marL="342900" marR="0" lvl="0" indent="-342900" algn="ctr" defTabSz="914400" rtl="0" eaLnBrk="1" fontAlgn="auto" latinLnBrk="0" hangingPunct="1">
-              <a:lnSpc>
-                <a:spcPct val="100000"/>
-              </a:lnSpc>
-              <a:spcBef>
-                <a:spcPct val="20000"/>
-              </a:spcBef>
-              <a:spcAft>
-                <a:spcPts val="0"/>
-              </a:spcAft>
-              <a:buClrTx/>
-              <a:buSzTx/>
-              <a:tabLst/>
-              <a:defRPr/>
-            </a:pPr>
-            <a:r>
-              <a:rPr lang="en-US" sz="1600" dirty="0" smtClean="0">
+        </p:grpSpPr>
+        <p:pic>
+          <p:nvPicPr>
+            <p:cNvPr id="4098" name="Picture 2" descr="H:\DCIM\100OLYMP\PA250552.JPG"/>
+            <p:cNvPicPr>
+              <a:picLocks noChangeAspect="1" noChangeArrowheads="1"/>
+            </p:cNvPicPr>
+            <p:nvPr/>
+          </p:nvPicPr>
+          <p:blipFill rotWithShape="1">
+            <a:blip r:embed="rId2" cstate="print"/>
+            <a:srcRect l="6438" t="61371" r="3437" b="18599"/>
+            <a:stretch/>
+          </p:blipFill>
+          <p:spPr bwMode="auto">
+            <a:xfrm>
+              <a:off x="1371600" y="5181600"/>
+              <a:ext cx="6400800" cy="1066800"/>
+            </a:xfrm>
+            <a:prstGeom prst="rect">
+              <a:avLst/>
+            </a:prstGeom>
+            <a:noFill/>
+          </p:spPr>
+        </p:pic>
+        <p:cxnSp>
+          <p:nvCxnSpPr>
+            <p:cNvPr id="26" name="Straight Arrow Connector 25"/>
+            <p:cNvCxnSpPr/>
+            <p:nvPr/>
+          </p:nvCxnSpPr>
+          <p:spPr>
+            <a:xfrm flipH="1" flipV="1">
+              <a:off x="3886200" y="5410200"/>
+              <a:ext cx="1447800" cy="228600"/>
+            </a:xfrm>
+            <a:prstGeom prst="straightConnector1">
+              <a:avLst/>
+            </a:prstGeom>
+            <a:ln w="38100">
+              <a:solidFill>
+                <a:srgbClr val="FF0000"/>
+              </a:solidFill>
+              <a:tailEnd type="arrow"/>
+            </a:ln>
+          </p:spPr>
+          <p:style>
+            <a:lnRef idx="1">
+              <a:schemeClr val="accent1"/>
+            </a:lnRef>
+            <a:fillRef idx="0">
+              <a:schemeClr val="accent1"/>
+            </a:fillRef>
+            <a:effectRef idx="0">
+              <a:schemeClr val="accent1"/>
+            </a:effectRef>
+            <a:fontRef idx="minor">
+              <a:schemeClr val="tx1"/>
+            </a:fontRef>
+          </p:style>
+        </p:cxnSp>
+        <p:sp>
+          <p:nvSpPr>
+            <p:cNvPr id="27" name="Content Placeholder 2"/>
+            <p:cNvSpPr txBox="1">
+              <a:spLocks/>
+            </p:cNvSpPr>
+            <p:nvPr/>
+          </p:nvSpPr>
+          <p:spPr>
+            <a:xfrm>
+              <a:off x="4419600" y="5181600"/>
+              <a:ext cx="1074420" cy="480060"/>
+            </a:xfrm>
+            <a:prstGeom prst="rect">
+              <a:avLst/>
+            </a:prstGeom>
+          </p:spPr>
+          <p:txBody>
+            <a:bodyPr vert="horz" lIns="91440" tIns="45720" rIns="91440" bIns="45720" rtlCol="0">
+              <a:normAutofit/>
+            </a:bodyPr>
+            <a:lstStyle/>
+            <a:p>
+              <a:pPr marL="342900" marR="0" lvl="0" indent="-342900" algn="ctr" defTabSz="914400" rtl="0" eaLnBrk="1" fontAlgn="auto" latinLnBrk="0" hangingPunct="1">
+                <a:lnSpc>
+                  <a:spcPct val="100000"/>
+                </a:lnSpc>
+                <a:spcBef>
+                  <a:spcPct val="20000"/>
+                </a:spcBef>
+                <a:spcAft>
+                  <a:spcPts val="0"/>
+                </a:spcAft>
+                <a:buClrTx/>
+                <a:buSzTx/>
+                <a:tabLst/>
+                <a:defRPr/>
+              </a:pPr>
+              <a:r>
+                <a:rPr lang="en-US" sz="1600" dirty="0" smtClean="0">
+                  <a:solidFill>
+                    <a:srgbClr val="FF0000"/>
+                  </a:solidFill>
+                </a:rPr>
+                <a:t>Stretching</a:t>
+              </a:r>
+              <a:endParaRPr kumimoji="0" lang="en-US" sz="1600" b="0" i="0" u="none" strike="noStrike" kern="1200" cap="none" spc="0" normalizeH="0" baseline="0" noProof="0" dirty="0" smtClean="0">
+                <a:ln>
+                  <a:noFill/>
+                </a:ln>
                 <a:solidFill>
                   <a:srgbClr val="FF0000"/>
                 </a:solidFill>
-              </a:rPr>
-              <a:t>Stretching</a:t>
-            </a:r>
-            <a:endParaRPr kumimoji="0" lang="en-US" sz="1600" b="0" i="0" u="none" strike="noStrike" kern="1200" cap="none" spc="0" normalizeH="0" baseline="0" noProof="0" dirty="0" smtClean="0">
-              <a:ln>
-                <a:noFill/>
-              </a:ln>
-              <a:solidFill>
-                <a:srgbClr val="FF0000"/>
-              </a:solidFill>
-              <a:effectLst/>
-              <a:uLnTx/>
-              <a:uFillTx/>
-              <a:latin typeface="+mn-lt"/>
-              <a:ea typeface="+mn-ea"/>
-              <a:cs typeface="+mn-cs"/>
-            </a:endParaRPr>
-          </a:p>
-        </p:txBody>
-      </p:sp>
+                <a:effectLst/>
+                <a:uLnTx/>
+                <a:uFillTx/>
+                <a:latin typeface="+mn-lt"/>
+                <a:ea typeface="+mn-ea"/>
+                <a:cs typeface="+mn-cs"/>
+              </a:endParaRPr>
+            </a:p>
+          </p:txBody>
+        </p:sp>
+      </p:grpSp>
     </p:spTree>
     <p:extLst>
       <p:ext uri="{BB962C8B-B14F-4D97-AF65-F5344CB8AC3E}">
